--- a/docs/architecture.pptx
+++ b/docs/architecture.pptx
@@ -5,11 +5,12 @@
     <p:sldMasterId id="2147483648" r:id="rId1"/>
   </p:sldMasterIdLst>
   <p:notesMasterIdLst>
-    <p:notesMasterId r:id="rId4"/>
+    <p:notesMasterId r:id="rId5"/>
   </p:notesMasterIdLst>
   <p:sldIdLst>
     <p:sldId id="256" r:id="rId2"/>
-    <p:sldId id="389" r:id="rId3"/>
+    <p:sldId id="390" r:id="rId3"/>
+    <p:sldId id="389" r:id="rId4"/>
   </p:sldIdLst>
   <p:sldSz cx="12192000" cy="6858000"/>
   <p:notesSz cx="6858000" cy="9144000"/>
@@ -510,6 +511,90 @@
           <a:bodyPr/>
           <a:lstStyle/>
           <a:p>
+            <a:endParaRPr lang="en-GB" dirty="0"/>
+          </a:p>
+        </p:txBody>
+      </p:sp>
+      <p:sp>
+        <p:nvSpPr>
+          <p:cNvPr id="4" name="Segnaposto numero diapositiva 3"/>
+          <p:cNvSpPr>
+            <a:spLocks noGrp="1"/>
+          </p:cNvSpPr>
+          <p:nvPr>
+            <p:ph type="sldNum" sz="quarter" idx="5"/>
+          </p:nvPr>
+        </p:nvSpPr>
+        <p:spPr/>
+        <p:txBody>
+          <a:bodyPr/>
+          <a:lstStyle/>
+          <a:p>
+            <a:fld id="{D04AFCC7-3E30-3240-B9B9-58EEE70978C5}" type="slidenum">
+              <a:rPr lang="en-GB" smtClean="0"/>
+              <a:t>1</a:t>
+            </a:fld>
+            <a:endParaRPr lang="en-GB"/>
+          </a:p>
+        </p:txBody>
+      </p:sp>
+    </p:spTree>
+    <p:extLst>
+      <p:ext uri="{BB962C8B-B14F-4D97-AF65-F5344CB8AC3E}">
+        <p14:creationId xmlns:p14="http://schemas.microsoft.com/office/powerpoint/2010/main" val="4121964976"/>
+      </p:ext>
+    </p:extLst>
+  </p:cSld>
+  <p:clrMapOvr>
+    <a:masterClrMapping/>
+  </p:clrMapOvr>
+</p:notes>
+</file>
+
+<file path=ppt/notesSlides/notesSlide2.xml><?xml version="1.0" encoding="utf-8"?>
+<p:notes xmlns:a="http://schemas.openxmlformats.org/drawingml/2006/main" xmlns:r="http://schemas.openxmlformats.org/officeDocument/2006/relationships" xmlns:p="http://schemas.openxmlformats.org/presentationml/2006/main">
+  <p:cSld>
+    <p:spTree>
+      <p:nvGrpSpPr>
+        <p:cNvPr id="1" name=""/>
+        <p:cNvGrpSpPr/>
+        <p:nvPr/>
+      </p:nvGrpSpPr>
+      <p:grpSpPr>
+        <a:xfrm>
+          <a:off x="0" y="0"/>
+          <a:ext cx="0" cy="0"/>
+          <a:chOff x="0" y="0"/>
+          <a:chExt cx="0" cy="0"/>
+        </a:xfrm>
+      </p:grpSpPr>
+      <p:sp>
+        <p:nvSpPr>
+          <p:cNvPr id="2" name="Segnaposto immagine diapositiva 1"/>
+          <p:cNvSpPr>
+            <a:spLocks noGrp="1" noRot="1" noChangeAspect="1"/>
+          </p:cNvSpPr>
+          <p:nvPr>
+            <p:ph type="sldImg"/>
+          </p:nvPr>
+        </p:nvSpPr>
+        <p:spPr/>
+      </p:sp>
+      <p:sp>
+        <p:nvSpPr>
+          <p:cNvPr id="3" name="Segnaposto note 2"/>
+          <p:cNvSpPr>
+            <a:spLocks noGrp="1"/>
+          </p:cNvSpPr>
+          <p:nvPr>
+            <p:ph type="body" idx="1"/>
+          </p:nvPr>
+        </p:nvSpPr>
+        <p:spPr/>
+        <p:txBody>
+          <a:bodyPr/>
+          <a:lstStyle/>
+          <a:p>
             <a:pPr marL="0" marR="0" lvl="0" indent="0" algn="l" defTabSz="914400" rtl="0" eaLnBrk="1" fontAlgn="auto" latinLnBrk="0" hangingPunct="1">
               <a:lnSpc>
                 <a:spcPct val="100000"/>
@@ -597,7 +682,7 @@
             <a:fld id="{1399807D-D128-4837-BF84-5EA633F317AE}" type="slidenum">
               <a:rPr lang="en-US" smtClean="0"/>
               <a:pPr/>
-              <a:t>2</a:t>
+              <a:t>3</a:t>
             </a:fld>
             <a:endParaRPr lang="en-US" dirty="0"/>
           </a:p>
@@ -3866,15 +3951,15 @@
           <p:nvPr/>
         </p:nvPicPr>
         <p:blipFill>
-          <a:blip r:embed="rId2"/>
+          <a:blip r:embed="rId3"/>
           <a:stretch>
             <a:fillRect/>
           </a:stretch>
         </p:blipFill>
         <p:spPr>
           <a:xfrm>
-            <a:off x="4463141" y="414928"/>
-            <a:ext cx="1860377" cy="399206"/>
+            <a:off x="4727539" y="1111301"/>
+            <a:ext cx="1741766" cy="373754"/>
           </a:xfrm>
           <a:prstGeom prst="rect">
             <a:avLst/>
@@ -3896,14 +3981,14 @@
           <p:nvPr/>
         </p:nvPicPr>
         <p:blipFill>
-          <a:blip r:embed="rId3"/>
+          <a:blip r:embed="rId4"/>
           <a:stretch>
             <a:fillRect/>
           </a:stretch>
         </p:blipFill>
         <p:spPr>
           <a:xfrm>
-            <a:off x="8411091" y="304477"/>
+            <a:off x="7305499" y="1028275"/>
             <a:ext cx="1933715" cy="501557"/>
           </a:xfrm>
           <a:prstGeom prst="rect">
@@ -3925,7 +4010,7 @@
         </p:nvSpPr>
         <p:spPr>
           <a:xfrm>
-            <a:off x="8396513" y="2469580"/>
+            <a:off x="8089901" y="3149208"/>
             <a:ext cx="1944914" cy="420914"/>
           </a:xfrm>
           <a:prstGeom prst="roundRect">
@@ -3974,8 +4059,8 @@
         </p:nvSpPr>
         <p:spPr>
           <a:xfrm>
-            <a:off x="5937788" y="6495442"/>
-            <a:ext cx="1553029" cy="246744"/>
+            <a:off x="10561268" y="4548333"/>
+            <a:ext cx="1238687" cy="265269"/>
           </a:xfrm>
           <a:prstGeom prst="roundRect">
             <a:avLst/>
@@ -4023,8 +4108,8 @@
         </p:nvSpPr>
         <p:spPr>
           <a:xfrm>
-            <a:off x="7547087" y="6497887"/>
-            <a:ext cx="1553029" cy="251548"/>
+            <a:off x="10564829" y="4866183"/>
+            <a:ext cx="1233991" cy="271095"/>
           </a:xfrm>
           <a:prstGeom prst="roundRect">
             <a:avLst/>
@@ -4075,8 +4160,8 @@
         </p:nvSpPr>
         <p:spPr>
           <a:xfrm>
-            <a:off x="9156386" y="6499101"/>
-            <a:ext cx="1572357" cy="243085"/>
+            <a:off x="10561269" y="5228661"/>
+            <a:ext cx="1233992" cy="237858"/>
           </a:xfrm>
           <a:prstGeom prst="roundRect">
             <a:avLst/>
@@ -4127,7 +4212,7 @@
         </p:nvGrpSpPr>
         <p:grpSpPr>
           <a:xfrm>
-            <a:off x="3548741" y="3754017"/>
+            <a:off x="3474599" y="4433645"/>
             <a:ext cx="1589315" cy="1249782"/>
             <a:chOff x="2373085" y="2505791"/>
             <a:chExt cx="1589315" cy="1249782"/>
@@ -4199,10 +4284,10 @@
             <p:nvPr/>
           </p:nvPicPr>
           <p:blipFill>
-            <a:blip r:embed="rId4">
+            <a:blip r:embed="rId5">
               <a:extLst>
                 <a:ext uri="{96DAC541-7B7A-43D3-8B79-37D633B846F1}">
-                  <asvg:svgBlip xmlns:asvg="http://schemas.microsoft.com/office/drawing/2016/SVG/main" r:embed="rId5"/>
+                  <asvg:svgBlip xmlns:asvg="http://schemas.microsoft.com/office/drawing/2016/SVG/main" r:embed="rId6"/>
                 </a:ext>
               </a:extLst>
             </a:blip>
@@ -4235,7 +4320,7 @@
             <p:nvPr/>
           </p:nvPicPr>
           <p:blipFill rotWithShape="1">
-            <a:blip r:embed="rId6">
+            <a:blip r:embed="rId7">
               <a:extLst>
                 <a:ext uri="{28A0092B-C50C-407E-A947-70E740481C1C}">
                   <a14:useLocalDpi xmlns:a14="http://schemas.microsoft.com/office/drawing/2010/main" val="0"/>
@@ -4280,7 +4365,7 @@
             <p:nvPr/>
           </p:nvPicPr>
           <p:blipFill>
-            <a:blip r:embed="rId7"/>
+            <a:blip r:embed="rId8"/>
             <a:stretch>
               <a:fillRect/>
             </a:stretch>
@@ -4310,7 +4395,7 @@
         </p:nvGrpSpPr>
         <p:grpSpPr>
           <a:xfrm>
-            <a:off x="8165615" y="3538664"/>
+            <a:off x="8091473" y="4218292"/>
             <a:ext cx="2406710" cy="1290610"/>
             <a:chOff x="9436947" y="3800276"/>
             <a:chExt cx="2406710" cy="1290610"/>
@@ -4382,10 +4467,10 @@
             <p:nvPr/>
           </p:nvPicPr>
           <p:blipFill>
-            <a:blip r:embed="rId4">
+            <a:blip r:embed="rId5">
               <a:extLst>
                 <a:ext uri="{96DAC541-7B7A-43D3-8B79-37D633B846F1}">
-                  <asvg:svgBlip xmlns:asvg="http://schemas.microsoft.com/office/drawing/2016/SVG/main" r:embed="rId5"/>
+                  <asvg:svgBlip xmlns:asvg="http://schemas.microsoft.com/office/drawing/2016/SVG/main" r:embed="rId6"/>
                 </a:ext>
               </a:extLst>
             </a:blip>
@@ -4418,7 +4503,7 @@
             <p:nvPr/>
           </p:nvPicPr>
           <p:blipFill rotWithShape="1">
-            <a:blip r:embed="rId6">
+            <a:blip r:embed="rId7">
               <a:extLst>
                 <a:ext uri="{28A0092B-C50C-407E-A947-70E740481C1C}">
                   <a14:useLocalDpi xmlns:a14="http://schemas.microsoft.com/office/drawing/2010/main" val="0"/>
@@ -4463,7 +4548,7 @@
             <p:nvPr/>
           </p:nvPicPr>
           <p:blipFill>
-            <a:blip r:embed="rId8"/>
+            <a:blip r:embed="rId9"/>
             <a:stretch>
               <a:fillRect/>
             </a:stretch>
@@ -4491,14 +4576,13 @@
           <p:cNvCxnSpPr>
             <a:cxnSpLocks/>
             <a:stCxn id="10" idx="0"/>
-            <a:endCxn id="53" idx="2"/>
           </p:cNvCxnSpPr>
           <p:nvPr/>
         </p:nvCxnSpPr>
         <p:spPr>
           <a:xfrm flipV="1">
-            <a:off x="9368970" y="1844269"/>
-            <a:ext cx="0" cy="625311"/>
+            <a:off x="9062358" y="2780277"/>
+            <a:ext cx="0" cy="368931"/>
           </a:xfrm>
           <a:prstGeom prst="straightConnector1">
             <a:avLst/>
@@ -4542,9 +4626,9 @@
           <p:nvPr/>
         </p:nvCxnSpPr>
         <p:spPr>
-          <a:xfrm flipV="1">
-            <a:off x="9368970" y="2890494"/>
-            <a:ext cx="0" cy="648170"/>
+          <a:xfrm flipH="1" flipV="1">
+            <a:off x="9062358" y="3570122"/>
+            <a:ext cx="232470" cy="648170"/>
           </a:xfrm>
           <a:prstGeom prst="straightConnector1">
             <a:avLst/>
@@ -4586,8 +4670,8 @@
         </p:nvSpPr>
         <p:spPr>
           <a:xfrm>
-            <a:off x="5805712" y="4129030"/>
-            <a:ext cx="1944914" cy="493488"/>
+            <a:off x="5620244" y="4705715"/>
+            <a:ext cx="2143512" cy="707644"/>
           </a:xfrm>
           <a:prstGeom prst="roundRect">
             <a:avLst/>
@@ -4616,7 +4700,6 @@
           <a:bodyPr rtlCol="0" anchor="ctr"/>
           <a:lstStyle/>
           <a:p>
-            <a:pPr algn="ctr"/>
             <a:r>
               <a:rPr lang="en-GB" dirty="0"/>
               <a:t>Events Logger</a:t>
@@ -4642,8 +4725,8 @@
         </p:nvCxnSpPr>
         <p:spPr>
           <a:xfrm flipV="1">
-            <a:off x="7750626" y="4372074"/>
-            <a:ext cx="433584" cy="3700"/>
+            <a:off x="7763756" y="5051702"/>
+            <a:ext cx="346312" cy="7835"/>
           </a:xfrm>
           <a:prstGeom prst="straightConnector1">
             <a:avLst/>
@@ -4687,9 +4770,9 @@
           <p:nvPr/>
         </p:nvCxnSpPr>
         <p:spPr>
-          <a:xfrm flipV="1">
-            <a:off x="5138056" y="4375774"/>
-            <a:ext cx="667656" cy="3134"/>
+          <a:xfrm>
+            <a:off x="5063914" y="5058536"/>
+            <a:ext cx="556330" cy="1001"/>
           </a:xfrm>
           <a:prstGeom prst="straightConnector1">
             <a:avLst/>
@@ -4731,8 +4814,8 @@
         </p:nvSpPr>
         <p:spPr>
           <a:xfrm>
-            <a:off x="5495820" y="2128492"/>
-            <a:ext cx="1944914" cy="493488"/>
+            <a:off x="5766404" y="2961773"/>
+            <a:ext cx="1612464" cy="625311"/>
           </a:xfrm>
           <a:prstGeom prst="roundRect">
             <a:avLst/>
@@ -4758,7 +4841,6 @@
           <a:bodyPr rtlCol="0" anchor="ctr"/>
           <a:lstStyle/>
           <a:p>
-            <a:pPr algn="ctr"/>
             <a:r>
               <a:rPr lang="en-GB" dirty="0"/>
               <a:t>Log Time</a:t>
@@ -4781,9 +4863,9 @@
           <p:nvPr/>
         </p:nvCxnSpPr>
         <p:spPr>
-          <a:xfrm flipV="1">
-            <a:off x="6468277" y="1387069"/>
-            <a:ext cx="0" cy="637287"/>
+          <a:xfrm flipH="1" flipV="1">
+            <a:off x="6386148" y="2461110"/>
+            <a:ext cx="11961" cy="423958"/>
           </a:xfrm>
           <a:prstGeom prst="straightConnector1">
             <a:avLst/>
@@ -4826,8 +4908,8 @@
         </p:nvCxnSpPr>
         <p:spPr>
           <a:xfrm flipH="1" flipV="1">
-            <a:off x="7453010" y="2709175"/>
-            <a:ext cx="787460" cy="890047"/>
+            <a:off x="7416675" y="3637020"/>
+            <a:ext cx="749653" cy="641830"/>
           </a:xfrm>
           <a:prstGeom prst="straightConnector1">
             <a:avLst/>
@@ -4869,8 +4951,8 @@
         </p:nvSpPr>
         <p:spPr>
           <a:xfrm>
-            <a:off x="3419416" y="2107421"/>
-            <a:ext cx="1944914" cy="493488"/>
+            <a:off x="3342521" y="2919953"/>
+            <a:ext cx="2211813" cy="641378"/>
           </a:xfrm>
           <a:prstGeom prst="roundRect">
             <a:avLst/>
@@ -4899,7 +4981,6 @@
           <a:bodyPr rtlCol="0" anchor="ctr"/>
           <a:lstStyle/>
           <a:p>
-            <a:pPr algn="ctr"/>
             <a:r>
               <a:rPr lang="en-GB" dirty="0"/>
               <a:t>Task manager</a:t>
@@ -4922,10 +5003,10 @@
           <p:nvPr/>
         </p:nvPicPr>
         <p:blipFill>
-          <a:blip r:embed="rId4">
+          <a:blip r:embed="rId5">
             <a:extLst>
               <a:ext uri="{96DAC541-7B7A-43D3-8B79-37D633B846F1}">
-                <asvg:svgBlip xmlns:asvg="http://schemas.microsoft.com/office/drawing/2016/SVG/main" r:embed="rId5"/>
+                <asvg:svgBlip xmlns:asvg="http://schemas.microsoft.com/office/drawing/2016/SVG/main" r:embed="rId6"/>
               </a:ext>
             </a:extLst>
           </a:blip>
@@ -4935,7 +5016,7 @@
         </p:blipFill>
         <p:spPr>
           <a:xfrm>
-            <a:off x="8911770" y="929869"/>
+            <a:off x="8605158" y="1831921"/>
             <a:ext cx="914400" cy="914400"/>
           </a:xfrm>
           <a:prstGeom prst="rect">
@@ -4958,14 +5039,14 @@
           <p:nvPr/>
         </p:nvPicPr>
         <p:blipFill>
-          <a:blip r:embed="rId9"/>
+          <a:blip r:embed="rId10"/>
           <a:stretch>
             <a:fillRect/>
           </a:stretch>
         </p:blipFill>
         <p:spPr>
           <a:xfrm>
-            <a:off x="7784717" y="992406"/>
+            <a:off x="7478105" y="1894458"/>
             <a:ext cx="1394804" cy="929869"/>
           </a:xfrm>
           <a:prstGeom prst="rect">
@@ -4987,8 +5068,8 @@
         </p:nvSpPr>
         <p:spPr>
           <a:xfrm>
-            <a:off x="3440581" y="992406"/>
-            <a:ext cx="4000147" cy="309540"/>
+            <a:off x="4023498" y="2055095"/>
+            <a:ext cx="2553903" cy="333846"/>
           </a:xfrm>
           <a:prstGeom prst="roundRect">
             <a:avLst/>
@@ -5040,15 +5121,14 @@
           </p:cNvPr>
           <p:cNvCxnSpPr>
             <a:cxnSpLocks/>
-            <a:stCxn id="51" idx="2"/>
             <a:endCxn id="22" idx="0"/>
           </p:cNvCxnSpPr>
           <p:nvPr/>
         </p:nvCxnSpPr>
         <p:spPr>
-          <a:xfrm flipH="1">
-            <a:off x="4369977" y="2600909"/>
-            <a:ext cx="21896" cy="1153108"/>
+          <a:xfrm>
+            <a:off x="4288125" y="3570122"/>
+            <a:ext cx="7710" cy="863523"/>
           </a:xfrm>
           <a:prstGeom prst="straightConnector1">
             <a:avLst/>
@@ -5091,8 +5171,8 @@
         </p:nvCxnSpPr>
         <p:spPr>
           <a:xfrm>
-            <a:off x="4402821" y="1375617"/>
-            <a:ext cx="0" cy="648739"/>
+            <a:off x="4328679" y="2466062"/>
+            <a:ext cx="0" cy="419006"/>
           </a:xfrm>
           <a:prstGeom prst="straightConnector1">
             <a:avLst/>
@@ -5133,8 +5213,8 @@
         </p:nvSpPr>
         <p:spPr>
           <a:xfrm>
-            <a:off x="7645948" y="5365694"/>
-            <a:ext cx="1355309" cy="493488"/>
+            <a:off x="7738658" y="6045322"/>
+            <a:ext cx="1423234" cy="493488"/>
           </a:xfrm>
           <a:prstGeom prst="roundRect">
             <a:avLst/>
@@ -5163,7 +5243,6 @@
           <a:bodyPr rtlCol="0" anchor="ctr"/>
           <a:lstStyle/>
           <a:p>
-            <a:pPr algn="ctr"/>
             <a:r>
               <a:rPr lang="en-GB" dirty="0"/>
               <a:t>Classifier</a:t>
@@ -5187,7 +5266,7 @@
         </p:nvCxnSpPr>
         <p:spPr>
           <a:xfrm>
-            <a:off x="8792447" y="4902101"/>
+            <a:off x="8953082" y="5581729"/>
             <a:ext cx="0" cy="424295"/>
           </a:xfrm>
           <a:prstGeom prst="straightConnector1">
@@ -5232,7 +5311,7 @@
         </p:nvCxnSpPr>
         <p:spPr>
           <a:xfrm flipV="1">
-            <a:off x="8530522" y="4838405"/>
+            <a:off x="8691157" y="5518033"/>
             <a:ext cx="0" cy="506384"/>
           </a:xfrm>
           <a:prstGeom prst="straightConnector1">
@@ -5274,8 +5353,8 @@
         </p:nvSpPr>
         <p:spPr>
           <a:xfrm>
-            <a:off x="9098609" y="5378923"/>
-            <a:ext cx="1355309" cy="493488"/>
+            <a:off x="9519559" y="6058551"/>
+            <a:ext cx="1699802" cy="493488"/>
           </a:xfrm>
           <a:prstGeom prst="roundRect">
             <a:avLst/>
@@ -5304,7 +5383,6 @@
           <a:bodyPr rtlCol="0" anchor="ctr"/>
           <a:lstStyle/>
           <a:p>
-            <a:pPr algn="ctr"/>
             <a:r>
               <a:rPr lang="en-GB" dirty="0"/>
               <a:t>Stars</a:t>
@@ -5328,7 +5406,7 @@
         </p:nvCxnSpPr>
         <p:spPr>
           <a:xfrm flipV="1">
-            <a:off x="9633609" y="4829274"/>
+            <a:off x="9794244" y="5508902"/>
             <a:ext cx="0" cy="524647"/>
           </a:xfrm>
           <a:prstGeom prst="straightConnector1">
@@ -5372,7 +5450,7 @@
         </p:nvCxnSpPr>
         <p:spPr>
           <a:xfrm>
-            <a:off x="9879939" y="4854276"/>
+            <a:off x="10040574" y="5533904"/>
             <a:ext cx="0" cy="524647"/>
           </a:xfrm>
           <a:prstGeom prst="straightConnector1">
@@ -5416,10 +5494,10 @@
           <p:nvPr/>
         </p:nvPicPr>
         <p:blipFill>
-          <a:blip r:embed="rId10">
+          <a:blip r:embed="rId11">
             <a:extLst>
               <a:ext uri="{96DAC541-7B7A-43D3-8B79-37D633B846F1}">
-                <asvg:svgBlip xmlns:asvg="http://schemas.microsoft.com/office/drawing/2016/SVG/main" r:embed="rId11"/>
+                <asvg:svgBlip xmlns:asvg="http://schemas.microsoft.com/office/drawing/2016/SVG/main" r:embed="rId12"/>
               </a:ext>
             </a:extLst>
           </a:blip>
@@ -5429,7 +5507,7 @@
         </p:blipFill>
         <p:spPr>
           <a:xfrm>
-            <a:off x="9319063" y="5640749"/>
+            <a:off x="10211818" y="5809792"/>
             <a:ext cx="914400" cy="914400"/>
           </a:xfrm>
           <a:prstGeom prst="rect">
@@ -5452,10 +5530,10 @@
           <p:nvPr/>
         </p:nvPicPr>
         <p:blipFill>
-          <a:blip r:embed="rId12">
+          <a:blip r:embed="rId13">
             <a:extLst>
               <a:ext uri="{96DAC541-7B7A-43D3-8B79-37D633B846F1}">
-                <asvg:svgBlip xmlns:asvg="http://schemas.microsoft.com/office/drawing/2016/SVG/main" r:embed="rId13"/>
+                <asvg:svgBlip xmlns:asvg="http://schemas.microsoft.com/office/drawing/2016/SVG/main" r:embed="rId14"/>
               </a:ext>
             </a:extLst>
           </a:blip>
@@ -5465,7 +5543,7 @@
         </p:blipFill>
         <p:spPr>
           <a:xfrm>
-            <a:off x="6402765" y="3490541"/>
+            <a:off x="7031159" y="4755257"/>
             <a:ext cx="645197" cy="645197"/>
           </a:xfrm>
           <a:prstGeom prst="rect">
@@ -5488,10 +5566,10 @@
           <p:nvPr/>
         </p:nvPicPr>
         <p:blipFill>
-          <a:blip r:embed="rId14">
+          <a:blip r:embed="rId15">
             <a:extLst>
               <a:ext uri="{96DAC541-7B7A-43D3-8B79-37D633B846F1}">
-                <asvg:svgBlip xmlns:asvg="http://schemas.microsoft.com/office/drawing/2016/SVG/main" r:embed="rId15"/>
+                <asvg:svgBlip xmlns:asvg="http://schemas.microsoft.com/office/drawing/2016/SVG/main" r:embed="rId16"/>
               </a:ext>
             </a:extLst>
           </a:blip>
@@ -5501,7 +5579,7 @@
         </p:blipFill>
         <p:spPr>
           <a:xfrm>
-            <a:off x="4657281" y="1385011"/>
+            <a:off x="4877488" y="2966560"/>
             <a:ext cx="548164" cy="548164"/>
           </a:xfrm>
           <a:prstGeom prst="rect">
@@ -5524,10 +5602,10 @@
           <p:nvPr/>
         </p:nvPicPr>
         <p:blipFill>
-          <a:blip r:embed="rId16">
+          <a:blip r:embed="rId17">
             <a:extLst>
               <a:ext uri="{96DAC541-7B7A-43D3-8B79-37D633B846F1}">
-                <asvg:svgBlip xmlns:asvg="http://schemas.microsoft.com/office/drawing/2016/SVG/main" r:embed="rId17"/>
+                <asvg:svgBlip xmlns:asvg="http://schemas.microsoft.com/office/drawing/2016/SVG/main" r:embed="rId18"/>
               </a:ext>
             </a:extLst>
           </a:blip>
@@ -5537,7 +5615,7 @@
         </p:blipFill>
         <p:spPr>
           <a:xfrm>
-            <a:off x="6570082" y="1437181"/>
+            <a:off x="6793665" y="2995220"/>
             <a:ext cx="535004" cy="535004"/>
           </a:xfrm>
           <a:prstGeom prst="rect">
@@ -5559,8 +5637,8 @@
         </p:nvSpPr>
         <p:spPr>
           <a:xfrm>
-            <a:off x="3306708" y="190594"/>
-            <a:ext cx="8704578" cy="6200712"/>
+            <a:off x="3232566" y="1792821"/>
+            <a:ext cx="8704578" cy="4905128"/>
           </a:xfrm>
           <a:prstGeom prst="roundRect">
             <a:avLst/>
@@ -5608,14 +5686,14 @@
           <p:nvPr/>
         </p:nvPicPr>
         <p:blipFill>
-          <a:blip r:embed="rId18"/>
+          <a:blip r:embed="rId19"/>
           <a:stretch>
             <a:fillRect/>
           </a:stretch>
         </p:blipFill>
         <p:spPr>
           <a:xfrm>
-            <a:off x="3840205" y="5859182"/>
+            <a:off x="3582397" y="6192551"/>
             <a:ext cx="1221195" cy="290034"/>
           </a:xfrm>
           <a:prstGeom prst="rect">
@@ -5640,7 +5718,7 @@
         </p:nvCxnSpPr>
         <p:spPr>
           <a:xfrm flipV="1">
-            <a:off x="2422595" y="4546598"/>
+            <a:off x="2348453" y="5226226"/>
             <a:ext cx="1126146" cy="17864"/>
           </a:xfrm>
           <a:prstGeom prst="straightConnector1">
@@ -5682,8 +5760,8 @@
         </p:nvSpPr>
         <p:spPr>
           <a:xfrm>
-            <a:off x="618190" y="1517239"/>
-            <a:ext cx="2007014" cy="3438002"/>
+            <a:off x="544048" y="1878234"/>
+            <a:ext cx="2007014" cy="3756635"/>
           </a:xfrm>
           <a:prstGeom prst="roundRect">
             <a:avLst/>
@@ -5735,10 +5813,10 @@
           <p:nvPr/>
         </p:nvPicPr>
         <p:blipFill>
-          <a:blip r:embed="rId19">
+          <a:blip r:embed="rId20">
             <a:extLst>
               <a:ext uri="{96DAC541-7B7A-43D3-8B79-37D633B846F1}">
-                <asvg:svgBlip xmlns:asvg="http://schemas.microsoft.com/office/drawing/2016/SVG/main" r:embed="rId20"/>
+                <asvg:svgBlip xmlns:asvg="http://schemas.microsoft.com/office/drawing/2016/SVG/main" r:embed="rId21"/>
               </a:ext>
             </a:extLst>
           </a:blip>
@@ -5747,9 +5825,9 @@
           </a:stretch>
         </p:blipFill>
         <p:spPr>
-          <a:xfrm>
-            <a:off x="270996" y="444719"/>
-            <a:ext cx="914400" cy="914400"/>
+          <a:xfrm flipH="1">
+            <a:off x="745848" y="5761607"/>
+            <a:ext cx="429250" cy="429250"/>
           </a:xfrm>
           <a:prstGeom prst="rect">
             <a:avLst/>
@@ -5771,10 +5849,10 @@
           <p:nvPr/>
         </p:nvPicPr>
         <p:blipFill>
-          <a:blip r:embed="rId21">
+          <a:blip r:embed="rId22">
             <a:extLst>
               <a:ext uri="{96DAC541-7B7A-43D3-8B79-37D633B846F1}">
-                <asvg:svgBlip xmlns:asvg="http://schemas.microsoft.com/office/drawing/2016/SVG/main" r:embed="rId22"/>
+                <asvg:svgBlip xmlns:asvg="http://schemas.microsoft.com/office/drawing/2016/SVG/main" r:embed="rId23"/>
               </a:ext>
             </a:extLst>
           </a:blip>
@@ -5783,9 +5861,9 @@
           </a:stretch>
         </p:blipFill>
         <p:spPr>
-          <a:xfrm>
-            <a:off x="2099271" y="530729"/>
-            <a:ext cx="914400" cy="914400"/>
+          <a:xfrm flipH="1">
+            <a:off x="1710509" y="5809792"/>
+            <a:ext cx="429250" cy="429250"/>
           </a:xfrm>
           <a:prstGeom prst="rect">
             <a:avLst/>
@@ -5807,10 +5885,10 @@
           <p:nvPr/>
         </p:nvPicPr>
         <p:blipFill>
-          <a:blip r:embed="rId23">
+          <a:blip r:embed="rId24">
             <a:extLst>
               <a:ext uri="{96DAC541-7B7A-43D3-8B79-37D633B846F1}">
-                <asvg:svgBlip xmlns:asvg="http://schemas.microsoft.com/office/drawing/2016/SVG/main" r:embed="rId24"/>
+                <asvg:svgBlip xmlns:asvg="http://schemas.microsoft.com/office/drawing/2016/SVG/main" r:embed="rId25"/>
               </a:ext>
             </a:extLst>
           </a:blip>
@@ -5819,9 +5897,9 @@
           </a:stretch>
         </p:blipFill>
         <p:spPr>
-          <a:xfrm>
-            <a:off x="1135722" y="553886"/>
-            <a:ext cx="914400" cy="914400"/>
+          <a:xfrm flipH="1">
+            <a:off x="1214538" y="5809792"/>
+            <a:ext cx="429250" cy="429250"/>
           </a:xfrm>
           <a:prstGeom prst="rect">
             <a:avLst/>
@@ -5843,14 +5921,14 @@
           <p:nvPr/>
         </p:nvPicPr>
         <p:blipFill>
-          <a:blip r:embed="rId25"/>
+          <a:blip r:embed="rId26"/>
           <a:stretch>
             <a:fillRect/>
           </a:stretch>
         </p:blipFill>
         <p:spPr>
           <a:xfrm>
-            <a:off x="5227610" y="5743982"/>
+            <a:off x="3018127" y="3767749"/>
             <a:ext cx="672945" cy="672945"/>
           </a:xfrm>
           <a:prstGeom prst="rect">
@@ -5873,7 +5951,7 @@
           <p:nvPr/>
         </p:nvPicPr>
         <p:blipFill>
-          <a:blip r:embed="rId26">
+          <a:blip r:embed="rId27">
             <a:extLst>
               <a:ext uri="{28A0092B-C50C-407E-A947-70E740481C1C}">
                 <a14:useLocalDpi xmlns:a14="http://schemas.microsoft.com/office/drawing/2010/main" val="0"/>
@@ -5886,7 +5964,7 @@
         </p:blipFill>
         <p:spPr>
           <a:xfrm>
-            <a:off x="794069" y="1889709"/>
+            <a:off x="719927" y="2569337"/>
             <a:ext cx="1670128" cy="2096544"/>
           </a:xfrm>
           <a:prstGeom prst="rect">
@@ -5909,15 +5987,15 @@
           <p:nvPr/>
         </p:nvPicPr>
         <p:blipFill>
-          <a:blip r:embed="rId27"/>
+          <a:blip r:embed="rId28"/>
           <a:stretch>
             <a:fillRect/>
           </a:stretch>
         </p:blipFill>
         <p:spPr>
           <a:xfrm>
-            <a:off x="667484" y="5089030"/>
-            <a:ext cx="1959593" cy="379094"/>
+            <a:off x="744174" y="2159820"/>
+            <a:ext cx="1583011" cy="306242"/>
           </a:xfrm>
           <a:prstGeom prst="rect">
             <a:avLst/>
@@ -5939,10 +6017,10 @@
           <p:nvPr/>
         </p:nvPicPr>
         <p:blipFill>
-          <a:blip r:embed="rId28">
+          <a:blip r:embed="rId29">
             <a:extLst>
               <a:ext uri="{96DAC541-7B7A-43D3-8B79-37D633B846F1}">
-                <asvg:svgBlip xmlns:asvg="http://schemas.microsoft.com/office/drawing/2016/SVG/main" r:embed="rId29"/>
+                <asvg:svgBlip xmlns:asvg="http://schemas.microsoft.com/office/drawing/2016/SVG/main" r:embed="rId30"/>
               </a:ext>
             </a:extLst>
           </a:blip>
@@ -5952,7 +6030,7 @@
         </p:blipFill>
         <p:spPr>
           <a:xfrm>
-            <a:off x="8122017" y="5933332"/>
+            <a:off x="8716907" y="6079415"/>
             <a:ext cx="403170" cy="403170"/>
           </a:xfrm>
           <a:prstGeom prst="rect">
@@ -5976,7 +6054,7 @@
         </p:nvCxnSpPr>
         <p:spPr>
           <a:xfrm flipH="1">
-            <a:off x="2401327" y="4293402"/>
+            <a:off x="2327185" y="4973030"/>
             <a:ext cx="1147414" cy="0"/>
           </a:xfrm>
           <a:prstGeom prst="straightConnector1">
@@ -6019,7 +6097,7 @@
         </p:nvSpPr>
         <p:spPr>
           <a:xfrm>
-            <a:off x="837611" y="4150758"/>
+            <a:off x="763469" y="4830386"/>
             <a:ext cx="1551994" cy="493488"/>
           </a:xfrm>
           <a:prstGeom prst="roundRect">
@@ -6071,8 +6149,8 @@
         </p:nvSpPr>
         <p:spPr>
           <a:xfrm>
-            <a:off x="10453918" y="2469580"/>
-            <a:ext cx="1419044" cy="413365"/>
+            <a:off x="10379776" y="2937262"/>
+            <a:ext cx="1419044" cy="625311"/>
           </a:xfrm>
           <a:prstGeom prst="roundRect">
             <a:avLst/>
@@ -6100,8 +6178,8 @@
           <a:p>
             <a:pPr algn="ctr"/>
             <a:r>
-              <a:rPr lang="en-GB" dirty="0"/>
-              <a:t>Oracle</a:t>
+              <a:rPr lang="en-GB"/>
+              <a:t>Ontochain Adapter</a:t>
             </a:r>
           </a:p>
         </p:txBody>
@@ -6123,7 +6201,7 @@
         </p:nvCxnSpPr>
         <p:spPr>
           <a:xfrm flipV="1">
-            <a:off x="10463468" y="2882945"/>
+            <a:off x="10389326" y="3562573"/>
             <a:ext cx="699972" cy="684870"/>
           </a:xfrm>
           <a:prstGeom prst="straightConnector1">
@@ -6152,42 +6230,6 @@
           </a:fontRef>
         </p:style>
       </p:cxnSp>
-      <p:pic>
-        <p:nvPicPr>
-          <p:cNvPr id="35" name="Elemento grafico 34" descr="Connesso contorno">
-            <a:extLst>
-              <a:ext uri="{FF2B5EF4-FFF2-40B4-BE49-F238E27FC236}">
-                <a16:creationId xmlns:a16="http://schemas.microsoft.com/office/drawing/2014/main" id="{A39F8418-B05F-A51F-04BC-7B2959C0643A}"/>
-              </a:ext>
-            </a:extLst>
-          </p:cNvPr>
-          <p:cNvPicPr>
-            <a:picLocks noChangeAspect="1"/>
-          </p:cNvPicPr>
-          <p:nvPr/>
-        </p:nvPicPr>
-        <p:blipFill>
-          <a:blip r:embed="rId30">
-            <a:extLst>
-              <a:ext uri="{96DAC541-7B7A-43D3-8B79-37D633B846F1}">
-                <asvg:svgBlip xmlns:asvg="http://schemas.microsoft.com/office/drawing/2016/SVG/main" r:embed="rId31"/>
-              </a:ext>
-            </a:extLst>
-          </a:blip>
-          <a:stretch>
-            <a:fillRect/>
-          </a:stretch>
-        </p:blipFill>
-        <p:spPr>
-          <a:xfrm>
-            <a:off x="10520026" y="925875"/>
-            <a:ext cx="914400" cy="914400"/>
-          </a:xfrm>
-          <a:prstGeom prst="rect">
-            <a:avLst/>
-          </a:prstGeom>
-        </p:spPr>
-      </p:pic>
       <p:cxnSp>
         <p:nvCxnSpPr>
           <p:cNvPr id="78" name="Connettore 2 77">
@@ -6199,13 +6241,14 @@
           </p:cNvPr>
           <p:cNvCxnSpPr>
             <a:cxnSpLocks/>
+            <a:stCxn id="73" idx="0"/>
           </p:cNvCxnSpPr>
           <p:nvPr/>
         </p:nvCxnSpPr>
         <p:spPr>
           <a:xfrm flipV="1">
-            <a:off x="11163440" y="1844269"/>
-            <a:ext cx="0" cy="625311"/>
+            <a:off x="11089298" y="2569337"/>
+            <a:ext cx="0" cy="367925"/>
           </a:xfrm>
           <a:prstGeom prst="straightConnector1">
             <a:avLst/>
@@ -6232,6 +6275,638 @@
           </a:fontRef>
         </p:style>
       </p:cxnSp>
+      <p:pic>
+        <p:nvPicPr>
+          <p:cNvPr id="38" name="Immagine 37">
+            <a:extLst>
+              <a:ext uri="{FF2B5EF4-FFF2-40B4-BE49-F238E27FC236}">
+                <a16:creationId xmlns:a16="http://schemas.microsoft.com/office/drawing/2014/main" id="{88644ABE-FB13-D1C8-6C62-F15E0CECEF95}"/>
+              </a:ext>
+            </a:extLst>
+          </p:cNvPr>
+          <p:cNvPicPr>
+            <a:picLocks noChangeAspect="1"/>
+          </p:cNvPicPr>
+          <p:nvPr/>
+        </p:nvPicPr>
+        <p:blipFill>
+          <a:blip r:embed="rId31"/>
+          <a:stretch>
+            <a:fillRect/>
+          </a:stretch>
+        </p:blipFill>
+        <p:spPr>
+          <a:xfrm>
+            <a:off x="9665261" y="1887606"/>
+            <a:ext cx="2486322" cy="780705"/>
+          </a:xfrm>
+          <a:prstGeom prst="rect">
+            <a:avLst/>
+          </a:prstGeom>
+        </p:spPr>
+      </p:pic>
+      <p:sp>
+        <p:nvSpPr>
+          <p:cNvPr id="85" name="Rettangolo con angoli arrotondati 84">
+            <a:extLst>
+              <a:ext uri="{FF2B5EF4-FFF2-40B4-BE49-F238E27FC236}">
+                <a16:creationId xmlns:a16="http://schemas.microsoft.com/office/drawing/2014/main" id="{7EDB54A1-6D22-6A42-4598-F5D4D15FD01C}"/>
+              </a:ext>
+            </a:extLst>
+          </p:cNvPr>
+          <p:cNvSpPr/>
+          <p:nvPr/>
+        </p:nvSpPr>
+        <p:spPr>
+          <a:xfrm>
+            <a:off x="4328679" y="976419"/>
+            <a:ext cx="7286671" cy="618033"/>
+          </a:xfrm>
+          <a:prstGeom prst="roundRect">
+            <a:avLst/>
+          </a:prstGeom>
+          <a:noFill/>
+          <a:ln w="38100"/>
+        </p:spPr>
+        <p:style>
+          <a:lnRef idx="2">
+            <a:schemeClr val="accent1">
+              <a:shade val="50000"/>
+            </a:schemeClr>
+          </a:lnRef>
+          <a:fillRef idx="1">
+            <a:schemeClr val="accent1"/>
+          </a:fillRef>
+          <a:effectRef idx="0">
+            <a:schemeClr val="accent1"/>
+          </a:effectRef>
+          <a:fontRef idx="minor">
+            <a:schemeClr val="lt1"/>
+          </a:fontRef>
+        </p:style>
+        <p:txBody>
+          <a:bodyPr rtlCol="0" anchor="ctr"/>
+          <a:lstStyle/>
+          <a:p>
+            <a:pPr algn="ctr"/>
+            <a:endParaRPr lang="en-GB" dirty="0"/>
+          </a:p>
+        </p:txBody>
+      </p:sp>
+      <p:pic>
+        <p:nvPicPr>
+          <p:cNvPr id="87" name="Picture 2">
+            <a:extLst>
+              <a:ext uri="{FF2B5EF4-FFF2-40B4-BE49-F238E27FC236}">
+                <a16:creationId xmlns:a16="http://schemas.microsoft.com/office/drawing/2014/main" id="{CB13BD94-E086-EBB7-75D8-934099427588}"/>
+              </a:ext>
+            </a:extLst>
+          </p:cNvPr>
+          <p:cNvPicPr>
+            <a:picLocks noChangeAspect="1" noChangeArrowheads="1"/>
+          </p:cNvPicPr>
+          <p:nvPr/>
+        </p:nvPicPr>
+        <p:blipFill rotWithShape="1">
+          <a:blip r:embed="rId7">
+            <a:extLst>
+              <a:ext uri="{28A0092B-C50C-407E-A947-70E740481C1C}">
+                <a14:useLocalDpi xmlns:a14="http://schemas.microsoft.com/office/drawing/2010/main" val="0"/>
+              </a:ext>
+            </a:extLst>
+          </a:blip>
+          <a:srcRect l="1" t="-15685" r="-2513" b="-1"/>
+          <a:stretch/>
+        </p:blipFill>
+        <p:spPr bwMode="auto">
+          <a:xfrm>
+            <a:off x="10736687" y="4184655"/>
+            <a:ext cx="914400" cy="307761"/>
+          </a:xfrm>
+          <a:prstGeom prst="rect">
+            <a:avLst/>
+          </a:prstGeom>
+          <a:noFill/>
+          <a:extLst>
+            <a:ext uri="{909E8E84-426E-40DD-AFC4-6F175D3DCCD1}">
+              <a14:hiddenFill xmlns:a14="http://schemas.microsoft.com/office/drawing/2010/main">
+                <a:solidFill>
+                  <a:srgbClr val="FFFFFF"/>
+                </a:solidFill>
+              </a14:hiddenFill>
+            </a:ext>
+          </a:extLst>
+        </p:spPr>
+      </p:pic>
+      <p:pic>
+        <p:nvPicPr>
+          <p:cNvPr id="48" name="Elemento grafico 47" descr="Ragnatela con riempimento a tinta unita">
+            <a:extLst>
+              <a:ext uri="{FF2B5EF4-FFF2-40B4-BE49-F238E27FC236}">
+                <a16:creationId xmlns:a16="http://schemas.microsoft.com/office/drawing/2014/main" id="{930F2C65-6EFB-86C5-3987-1D6FD32D67AB}"/>
+              </a:ext>
+            </a:extLst>
+          </p:cNvPr>
+          <p:cNvPicPr>
+            <a:picLocks noChangeAspect="1"/>
+          </p:cNvPicPr>
+          <p:nvPr/>
+        </p:nvPicPr>
+        <p:blipFill>
+          <a:blip r:embed="rId32">
+            <a:extLst>
+              <a:ext uri="{96DAC541-7B7A-43D3-8B79-37D633B846F1}">
+                <asvg:svgBlip xmlns:asvg="http://schemas.microsoft.com/office/drawing/2016/SVG/main" r:embed="rId33"/>
+              </a:ext>
+            </a:extLst>
+          </a:blip>
+          <a:stretch>
+            <a:fillRect/>
+          </a:stretch>
+        </p:blipFill>
+        <p:spPr>
+          <a:xfrm>
+            <a:off x="9723195" y="1043304"/>
+            <a:ext cx="512048" cy="512048"/>
+          </a:xfrm>
+          <a:prstGeom prst="rect">
+            <a:avLst/>
+          </a:prstGeom>
+        </p:spPr>
+      </p:pic>
+      <p:sp>
+        <p:nvSpPr>
+          <p:cNvPr id="49" name="CasellaDiTesto 48">
+            <a:extLst>
+              <a:ext uri="{FF2B5EF4-FFF2-40B4-BE49-F238E27FC236}">
+                <a16:creationId xmlns:a16="http://schemas.microsoft.com/office/drawing/2014/main" id="{AC7372CF-F7F6-82DE-FE67-09BA4D43461A}"/>
+              </a:ext>
+            </a:extLst>
+          </p:cNvPr>
+          <p:cNvSpPr txBox="1"/>
+          <p:nvPr/>
+        </p:nvSpPr>
+        <p:spPr>
+          <a:xfrm>
+            <a:off x="10148371" y="1100769"/>
+            <a:ext cx="1460080" cy="369332"/>
+          </a:xfrm>
+          <a:prstGeom prst="rect">
+            <a:avLst/>
+          </a:prstGeom>
+          <a:noFill/>
+        </p:spPr>
+        <p:txBody>
+          <a:bodyPr wrap="none" rtlCol="0">
+            <a:spAutoFit/>
+          </a:bodyPr>
+          <a:lstStyle/>
+          <a:p>
+            <a:r>
+              <a:rPr lang="en-GB" b="1" dirty="0"/>
+              <a:t>My2SecDApp</a:t>
+            </a:r>
+          </a:p>
+        </p:txBody>
+      </p:sp>
+      <p:pic>
+        <p:nvPicPr>
+          <p:cNvPr id="95" name="Elemento grafico 94" descr="Successo di gruppo contorno">
+            <a:extLst>
+              <a:ext uri="{FF2B5EF4-FFF2-40B4-BE49-F238E27FC236}">
+                <a16:creationId xmlns:a16="http://schemas.microsoft.com/office/drawing/2014/main" id="{729AD5F6-44FE-9B0D-7BE6-0F2FF684D27F}"/>
+              </a:ext>
+            </a:extLst>
+          </p:cNvPr>
+          <p:cNvPicPr>
+            <a:picLocks noChangeAspect="1"/>
+          </p:cNvPicPr>
+          <p:nvPr/>
+        </p:nvPicPr>
+        <p:blipFill>
+          <a:blip r:embed="rId34">
+            <a:extLst>
+              <a:ext uri="{28A0092B-C50C-407E-A947-70E740481C1C}">
+                <a14:useLocalDpi xmlns:a14="http://schemas.microsoft.com/office/drawing/2010/main" val="0"/>
+              </a:ext>
+              <a:ext uri="{96DAC541-7B7A-43D3-8B79-37D633B846F1}">
+                <asvg:svgBlip xmlns:asvg="http://schemas.microsoft.com/office/drawing/2016/SVG/main" r:embed="rId35"/>
+              </a:ext>
+            </a:extLst>
+          </a:blip>
+          <a:stretch>
+            <a:fillRect/>
+          </a:stretch>
+        </p:blipFill>
+        <p:spPr>
+          <a:xfrm>
+            <a:off x="1067062" y="994309"/>
+            <a:ext cx="914400" cy="914400"/>
+          </a:xfrm>
+          <a:prstGeom prst="rect">
+            <a:avLst/>
+          </a:prstGeom>
+        </p:spPr>
+      </p:pic>
+      <p:sp>
+        <p:nvSpPr>
+          <p:cNvPr id="99" name="CasellaDiTesto 98">
+            <a:extLst>
+              <a:ext uri="{FF2B5EF4-FFF2-40B4-BE49-F238E27FC236}">
+                <a16:creationId xmlns:a16="http://schemas.microsoft.com/office/drawing/2014/main" id="{B05DE287-5D96-E3AD-6B5B-C5716F059D0C}"/>
+              </a:ext>
+            </a:extLst>
+          </p:cNvPr>
+          <p:cNvSpPr txBox="1"/>
+          <p:nvPr/>
+        </p:nvSpPr>
+        <p:spPr>
+          <a:xfrm>
+            <a:off x="537502" y="748554"/>
+            <a:ext cx="2020105" cy="369332"/>
+          </a:xfrm>
+          <a:prstGeom prst="rect">
+            <a:avLst/>
+          </a:prstGeom>
+          <a:noFill/>
+        </p:spPr>
+        <p:txBody>
+          <a:bodyPr wrap="none" rtlCol="0">
+            <a:spAutoFit/>
+          </a:bodyPr>
+          <a:lstStyle/>
+          <a:p>
+            <a:r>
+              <a:rPr lang="it-IT" b="1" dirty="0">
+                <a:solidFill>
+                  <a:schemeClr val="accent1"/>
+                </a:solidFill>
+                <a:latin typeface="Montserrat" pitchFamily="2" charset="77"/>
+              </a:rPr>
+              <a:t>Smart Workers</a:t>
+            </a:r>
+          </a:p>
+        </p:txBody>
+      </p:sp>
+      <p:pic>
+        <p:nvPicPr>
+          <p:cNvPr id="117" name="Immagine 116">
+            <a:extLst>
+              <a:ext uri="{FF2B5EF4-FFF2-40B4-BE49-F238E27FC236}">
+                <a16:creationId xmlns:a16="http://schemas.microsoft.com/office/drawing/2014/main" id="{1174FB36-DAE8-5977-2D68-6DEAFE72251D}"/>
+              </a:ext>
+            </a:extLst>
+          </p:cNvPr>
+          <p:cNvPicPr>
+            <a:picLocks noChangeAspect="1"/>
+          </p:cNvPicPr>
+          <p:nvPr/>
+        </p:nvPicPr>
+        <p:blipFill>
+          <a:blip r:embed="rId26"/>
+          <a:stretch>
+            <a:fillRect/>
+          </a:stretch>
+        </p:blipFill>
+        <p:spPr>
+          <a:xfrm>
+            <a:off x="6992196" y="1500361"/>
+            <a:ext cx="672945" cy="672945"/>
+          </a:xfrm>
+          <a:prstGeom prst="rect">
+            <a:avLst/>
+          </a:prstGeom>
+        </p:spPr>
+      </p:pic>
+      <p:sp>
+        <p:nvSpPr>
+          <p:cNvPr id="121" name="CasellaDiTesto 120">
+            <a:extLst>
+              <a:ext uri="{FF2B5EF4-FFF2-40B4-BE49-F238E27FC236}">
+                <a16:creationId xmlns:a16="http://schemas.microsoft.com/office/drawing/2014/main" id="{CF20300E-589F-D470-A41D-CA08BF2A8D17}"/>
+              </a:ext>
+            </a:extLst>
+          </p:cNvPr>
+          <p:cNvSpPr txBox="1"/>
+          <p:nvPr/>
+        </p:nvSpPr>
+        <p:spPr>
+          <a:xfrm>
+            <a:off x="3921793" y="154409"/>
+            <a:ext cx="2020105" cy="646331"/>
+          </a:xfrm>
+          <a:prstGeom prst="rect">
+            <a:avLst/>
+          </a:prstGeom>
+          <a:noFill/>
+        </p:spPr>
+        <p:txBody>
+          <a:bodyPr wrap="square" rtlCol="0">
+            <a:spAutoFit/>
+          </a:bodyPr>
+          <a:lstStyle/>
+          <a:p>
+            <a:r>
+              <a:rPr lang="it-IT" b="1" dirty="0">
+                <a:solidFill>
+                  <a:schemeClr val="accent1"/>
+                </a:solidFill>
+                <a:latin typeface="Montserrat" pitchFamily="2" charset="77"/>
+              </a:rPr>
+              <a:t>Project Managers</a:t>
+            </a:r>
+          </a:p>
+        </p:txBody>
+      </p:sp>
+      <p:pic>
+        <p:nvPicPr>
+          <p:cNvPr id="123" name="Elemento grafico 122" descr="Impiegata con riempimento a tinta unita">
+            <a:extLst>
+              <a:ext uri="{FF2B5EF4-FFF2-40B4-BE49-F238E27FC236}">
+                <a16:creationId xmlns:a16="http://schemas.microsoft.com/office/drawing/2014/main" id="{A728BC3A-60D8-2188-7A23-512161C17209}"/>
+              </a:ext>
+            </a:extLst>
+          </p:cNvPr>
+          <p:cNvPicPr>
+            <a:picLocks noChangeAspect="1"/>
+          </p:cNvPicPr>
+          <p:nvPr/>
+        </p:nvPicPr>
+        <p:blipFill>
+          <a:blip r:embed="rId36">
+            <a:extLst>
+              <a:ext uri="{96DAC541-7B7A-43D3-8B79-37D633B846F1}">
+                <asvg:svgBlip xmlns:asvg="http://schemas.microsoft.com/office/drawing/2016/SVG/main" r:embed="rId37"/>
+              </a:ext>
+            </a:extLst>
+          </a:blip>
+          <a:stretch>
+            <a:fillRect/>
+          </a:stretch>
+        </p:blipFill>
+        <p:spPr>
+          <a:xfrm>
+            <a:off x="10217708" y="18820"/>
+            <a:ext cx="914400" cy="914400"/>
+          </a:xfrm>
+          <a:prstGeom prst="rect">
+            <a:avLst/>
+          </a:prstGeom>
+        </p:spPr>
+      </p:pic>
+      <p:pic>
+        <p:nvPicPr>
+          <p:cNvPr id="125" name="Elemento grafico 124" descr="Programmatrice con riempimento a tinta unita">
+            <a:extLst>
+              <a:ext uri="{FF2B5EF4-FFF2-40B4-BE49-F238E27FC236}">
+                <a16:creationId xmlns:a16="http://schemas.microsoft.com/office/drawing/2014/main" id="{24A9C8DB-004C-5382-CD8F-A225E61E620E}"/>
+              </a:ext>
+            </a:extLst>
+          </p:cNvPr>
+          <p:cNvPicPr>
+            <a:picLocks noChangeAspect="1"/>
+          </p:cNvPicPr>
+          <p:nvPr/>
+        </p:nvPicPr>
+        <p:blipFill>
+          <a:blip r:embed="rId38">
+            <a:extLst>
+              <a:ext uri="{96DAC541-7B7A-43D3-8B79-37D633B846F1}">
+                <asvg:svgBlip xmlns:asvg="http://schemas.microsoft.com/office/drawing/2016/SVG/main" r:embed="rId39"/>
+              </a:ext>
+            </a:extLst>
+          </a:blip>
+          <a:stretch>
+            <a:fillRect/>
+          </a:stretch>
+        </p:blipFill>
+        <p:spPr>
+          <a:xfrm>
+            <a:off x="7787616" y="-5727"/>
+            <a:ext cx="914400" cy="914400"/>
+          </a:xfrm>
+          <a:prstGeom prst="rect">
+            <a:avLst/>
+          </a:prstGeom>
+        </p:spPr>
+      </p:pic>
+      <p:pic>
+        <p:nvPicPr>
+          <p:cNvPr id="127" name="Elemento grafico 126" descr="Impiegato con riempimento a tinta unita">
+            <a:extLst>
+              <a:ext uri="{FF2B5EF4-FFF2-40B4-BE49-F238E27FC236}">
+                <a16:creationId xmlns:a16="http://schemas.microsoft.com/office/drawing/2014/main" id="{951C8747-5C39-3CC0-D8B2-E8910C4F79C4}"/>
+              </a:ext>
+            </a:extLst>
+          </p:cNvPr>
+          <p:cNvPicPr>
+            <a:picLocks noChangeAspect="1"/>
+          </p:cNvPicPr>
+          <p:nvPr/>
+        </p:nvPicPr>
+        <p:blipFill>
+          <a:blip r:embed="rId40">
+            <a:extLst>
+              <a:ext uri="{96DAC541-7B7A-43D3-8B79-37D633B846F1}">
+                <asvg:svgBlip xmlns:asvg="http://schemas.microsoft.com/office/drawing/2016/SVG/main" r:embed="rId41"/>
+              </a:ext>
+            </a:extLst>
+          </a:blip>
+          <a:stretch>
+            <a:fillRect/>
+          </a:stretch>
+        </p:blipFill>
+        <p:spPr>
+          <a:xfrm>
+            <a:off x="5167205" y="40856"/>
+            <a:ext cx="914400" cy="914400"/>
+          </a:xfrm>
+          <a:prstGeom prst="rect">
+            <a:avLst/>
+          </a:prstGeom>
+        </p:spPr>
+      </p:pic>
+      <p:sp>
+        <p:nvSpPr>
+          <p:cNvPr id="128" name="CasellaDiTesto 127">
+            <a:extLst>
+              <a:ext uri="{FF2B5EF4-FFF2-40B4-BE49-F238E27FC236}">
+                <a16:creationId xmlns:a16="http://schemas.microsoft.com/office/drawing/2014/main" id="{B9E11312-CD06-8EBD-8D11-9E4D6BEBB293}"/>
+              </a:ext>
+            </a:extLst>
+          </p:cNvPr>
+          <p:cNvSpPr txBox="1"/>
+          <p:nvPr/>
+        </p:nvSpPr>
+        <p:spPr>
+          <a:xfrm>
+            <a:off x="6540958" y="158514"/>
+            <a:ext cx="1874294" cy="646331"/>
+          </a:xfrm>
+          <a:prstGeom prst="rect">
+            <a:avLst/>
+          </a:prstGeom>
+          <a:noFill/>
+        </p:spPr>
+        <p:txBody>
+          <a:bodyPr wrap="square" rtlCol="0">
+            <a:spAutoFit/>
+          </a:bodyPr>
+          <a:lstStyle/>
+          <a:p>
+            <a:r>
+              <a:rPr lang="it-IT" b="1" dirty="0">
+                <a:solidFill>
+                  <a:schemeClr val="accent1"/>
+                </a:solidFill>
+                <a:latin typeface="Montserrat" pitchFamily="2" charset="77"/>
+              </a:rPr>
+              <a:t>Data scientists</a:t>
+            </a:r>
+          </a:p>
+        </p:txBody>
+      </p:sp>
+      <p:sp>
+        <p:nvSpPr>
+          <p:cNvPr id="129" name="CasellaDiTesto 128">
+            <a:extLst>
+              <a:ext uri="{FF2B5EF4-FFF2-40B4-BE49-F238E27FC236}">
+                <a16:creationId xmlns:a16="http://schemas.microsoft.com/office/drawing/2014/main" id="{B3099D0D-6EB8-E55C-75C2-AB4444B5CFC0}"/>
+              </a:ext>
+            </a:extLst>
+          </p:cNvPr>
+          <p:cNvSpPr txBox="1"/>
+          <p:nvPr/>
+        </p:nvSpPr>
+        <p:spPr>
+          <a:xfrm>
+            <a:off x="8953082" y="150300"/>
+            <a:ext cx="1639019" cy="646331"/>
+          </a:xfrm>
+          <a:prstGeom prst="rect">
+            <a:avLst/>
+          </a:prstGeom>
+          <a:noFill/>
+        </p:spPr>
+        <p:txBody>
+          <a:bodyPr wrap="square" rtlCol="0">
+            <a:spAutoFit/>
+          </a:bodyPr>
+          <a:lstStyle/>
+          <a:p>
+            <a:r>
+              <a:rPr lang="it-IT" b="1" dirty="0">
+                <a:solidFill>
+                  <a:schemeClr val="accent1"/>
+                </a:solidFill>
+                <a:latin typeface="Montserrat" pitchFamily="2" charset="77"/>
+              </a:rPr>
+              <a:t>HR recruiters</a:t>
+            </a:r>
+          </a:p>
+        </p:txBody>
+      </p:sp>
+      <p:grpSp>
+        <p:nvGrpSpPr>
+          <p:cNvPr id="130" name="Gruppo 129">
+            <a:extLst>
+              <a:ext uri="{FF2B5EF4-FFF2-40B4-BE49-F238E27FC236}">
+                <a16:creationId xmlns:a16="http://schemas.microsoft.com/office/drawing/2014/main" id="{89722132-DAE0-0AEA-CF5E-FC016D680EDA}"/>
+              </a:ext>
+            </a:extLst>
+          </p:cNvPr>
+          <p:cNvGrpSpPr/>
+          <p:nvPr/>
+        </p:nvGrpSpPr>
+        <p:grpSpPr>
+          <a:xfrm rot="19651638">
+            <a:off x="2549692" y="1378218"/>
+            <a:ext cx="1810028" cy="523220"/>
+            <a:chOff x="7788908" y="477508"/>
+            <a:chExt cx="1810028" cy="523220"/>
+          </a:xfrm>
+        </p:grpSpPr>
+        <p:sp>
+          <p:nvSpPr>
+            <p:cNvPr id="131" name="CasellaDiTesto 130">
+              <a:extLst>
+                <a:ext uri="{FF2B5EF4-FFF2-40B4-BE49-F238E27FC236}">
+                  <a16:creationId xmlns:a16="http://schemas.microsoft.com/office/drawing/2014/main" id="{7F9EE925-BA09-3BF6-C5F1-88938616B7D9}"/>
+                </a:ext>
+              </a:extLst>
+            </p:cNvPr>
+            <p:cNvSpPr txBox="1"/>
+            <p:nvPr/>
+          </p:nvSpPr>
+          <p:spPr>
+            <a:xfrm>
+              <a:off x="8245680" y="477508"/>
+              <a:ext cx="1353256" cy="523220"/>
+            </a:xfrm>
+            <a:prstGeom prst="rect">
+              <a:avLst/>
+            </a:prstGeom>
+            <a:noFill/>
+          </p:spPr>
+          <p:txBody>
+            <a:bodyPr wrap="none" rtlCol="0">
+              <a:spAutoFit/>
+            </a:bodyPr>
+            <a:lstStyle/>
+            <a:p>
+              <a:r>
+                <a:rPr lang="it-IT" sz="2800" b="1" dirty="0">
+                  <a:solidFill>
+                    <a:srgbClr val="013D67"/>
+                  </a:solidFill>
+                </a:rPr>
+                <a:t>My2Sec</a:t>
+              </a:r>
+              <a:endParaRPr lang="it-IT" sz="2800" dirty="0">
+                <a:solidFill>
+                  <a:srgbClr val="013D67"/>
+                </a:solidFill>
+              </a:endParaRPr>
+            </a:p>
+          </p:txBody>
+        </p:sp>
+        <p:pic>
+          <p:nvPicPr>
+            <p:cNvPr id="132" name="Google Shape;260;p2">
+              <a:extLst>
+                <a:ext uri="{FF2B5EF4-FFF2-40B4-BE49-F238E27FC236}">
+                  <a16:creationId xmlns:a16="http://schemas.microsoft.com/office/drawing/2014/main" id="{B5F312A4-7185-8E01-4EF2-84D8161CAC4C}"/>
+                </a:ext>
+              </a:extLst>
+            </p:cNvPr>
+            <p:cNvPicPr preferRelativeResize="0">
+              <a:picLocks noChangeAspect="1"/>
+            </p:cNvPicPr>
+            <p:nvPr/>
+          </p:nvPicPr>
+          <p:blipFill>
+            <a:blip r:embed="rId42">
+              <a:alphaModFix/>
+            </a:blip>
+            <a:stretch>
+              <a:fillRect/>
+            </a:stretch>
+          </p:blipFill>
+          <p:spPr>
+            <a:xfrm>
+              <a:off x="7788908" y="481124"/>
+              <a:ext cx="504000" cy="504000"/>
+            </a:xfrm>
+            <a:prstGeom prst="rect">
+              <a:avLst/>
+            </a:prstGeom>
+            <a:noFill/>
+            <a:ln>
+              <a:noFill/>
+            </a:ln>
+          </p:spPr>
+        </p:pic>
+      </p:grpSp>
     </p:spTree>
     <p:extLst>
       <p:ext uri="{BB962C8B-B14F-4D97-AF65-F5344CB8AC3E}">
@@ -6242,10 +6917,176 @@
   <p:clrMapOvr>
     <a:masterClrMapping/>
   </p:clrMapOvr>
+  <p:timing>
+    <p:tnLst>
+      <p:par>
+        <p:cTn id="1" dur="indefinite" restart="never" nodeType="tmRoot">
+          <p:childTnLst>
+            <p:seq concurrent="1" nextAc="seek">
+              <p:cTn id="2" dur="indefinite" nodeType="mainSeq">
+                <p:childTnLst>
+                  <p:par>
+                    <p:cTn id="3" fill="hold">
+                      <p:stCondLst>
+                        <p:cond delay="indefinite"/>
+                        <p:cond evt="onBegin" delay="0">
+                          <p:tn val="2"/>
+                        </p:cond>
+                      </p:stCondLst>
+                      <p:childTnLst>
+                        <p:par>
+                          <p:cTn id="4" fill="hold">
+                            <p:stCondLst>
+                              <p:cond delay="0"/>
+                            </p:stCondLst>
+                            <p:childTnLst>
+                              <p:par>
+                                <p:cTn id="5" presetID="21" presetClass="entr" presetSubtype="1" fill="hold" nodeType="afterEffect">
+                                  <p:stCondLst>
+                                    <p:cond delay="0"/>
+                                  </p:stCondLst>
+                                  <p:childTnLst>
+                                    <p:set>
+                                      <p:cBhvr>
+                                        <p:cTn id="6" dur="1" fill="hold">
+                                          <p:stCondLst>
+                                            <p:cond delay="0"/>
+                                          </p:stCondLst>
+                                        </p:cTn>
+                                        <p:tgtEl>
+                                          <p:spTgt spid="130"/>
+                                        </p:tgtEl>
+                                        <p:attrNameLst>
+                                          <p:attrName>style.visibility</p:attrName>
+                                        </p:attrNameLst>
+                                      </p:cBhvr>
+                                      <p:to>
+                                        <p:strVal val="visible"/>
+                                      </p:to>
+                                    </p:set>
+                                    <p:animEffect transition="in" filter="wheel(1)">
+                                      <p:cBhvr>
+                                        <p:cTn id="7" dur="1000"/>
+                                        <p:tgtEl>
+                                          <p:spTgt spid="130"/>
+                                        </p:tgtEl>
+                                      </p:cBhvr>
+                                    </p:animEffect>
+                                  </p:childTnLst>
+                                </p:cTn>
+                              </p:par>
+                            </p:childTnLst>
+                          </p:cTn>
+                        </p:par>
+                      </p:childTnLst>
+                    </p:cTn>
+                  </p:par>
+                </p:childTnLst>
+              </p:cTn>
+              <p:prevCondLst>
+                <p:cond evt="onPrev" delay="0">
+                  <p:tgtEl>
+                    <p:sldTgt/>
+                  </p:tgtEl>
+                </p:cond>
+              </p:prevCondLst>
+              <p:nextCondLst>
+                <p:cond evt="onNext" delay="0">
+                  <p:tgtEl>
+                    <p:sldTgt/>
+                  </p:tgtEl>
+                </p:cond>
+              </p:nextCondLst>
+            </p:seq>
+          </p:childTnLst>
+        </p:cTn>
+      </p:par>
+    </p:tnLst>
+  </p:timing>
 </p:sld>
 </file>
 
 <file path=ppt/slides/slide2.xml><?xml version="1.0" encoding="utf-8"?>
+<p:sld xmlns:a="http://schemas.openxmlformats.org/drawingml/2006/main" xmlns:r="http://schemas.openxmlformats.org/officeDocument/2006/relationships" xmlns:p="http://schemas.openxmlformats.org/presentationml/2006/main">
+  <p:cSld>
+    <p:spTree>
+      <p:nvGrpSpPr>
+        <p:cNvPr id="1" name=""/>
+        <p:cNvGrpSpPr/>
+        <p:nvPr/>
+      </p:nvGrpSpPr>
+      <p:grpSpPr>
+        <a:xfrm>
+          <a:off x="0" y="0"/>
+          <a:ext cx="0" cy="0"/>
+          <a:chOff x="0" y="0"/>
+          <a:chExt cx="0" cy="0"/>
+        </a:xfrm>
+      </p:grpSpPr>
+      <p:sp>
+        <p:nvSpPr>
+          <p:cNvPr id="2" name="Titolo 1">
+            <a:extLst>
+              <a:ext uri="{FF2B5EF4-FFF2-40B4-BE49-F238E27FC236}">
+                <a16:creationId xmlns:a16="http://schemas.microsoft.com/office/drawing/2014/main" id="{02B4FB57-282A-4487-FCB1-F597A4973CE4}"/>
+              </a:ext>
+            </a:extLst>
+          </p:cNvPr>
+          <p:cNvSpPr>
+            <a:spLocks noGrp="1"/>
+          </p:cNvSpPr>
+          <p:nvPr>
+            <p:ph type="title"/>
+          </p:nvPr>
+        </p:nvSpPr>
+        <p:spPr/>
+        <p:txBody>
+          <a:bodyPr/>
+          <a:lstStyle/>
+          <a:p>
+            <a:endParaRPr lang="en-GB"/>
+          </a:p>
+        </p:txBody>
+      </p:sp>
+      <p:sp>
+        <p:nvSpPr>
+          <p:cNvPr id="3" name="Segnaposto contenuto 2">
+            <a:extLst>
+              <a:ext uri="{FF2B5EF4-FFF2-40B4-BE49-F238E27FC236}">
+                <a16:creationId xmlns:a16="http://schemas.microsoft.com/office/drawing/2014/main" id="{34DECB5B-8454-AE88-2150-C887B146665F}"/>
+              </a:ext>
+            </a:extLst>
+          </p:cNvPr>
+          <p:cNvSpPr>
+            <a:spLocks noGrp="1"/>
+          </p:cNvSpPr>
+          <p:nvPr>
+            <p:ph idx="1"/>
+          </p:nvPr>
+        </p:nvSpPr>
+        <p:spPr/>
+        <p:txBody>
+          <a:bodyPr/>
+          <a:lstStyle/>
+          <a:p>
+            <a:endParaRPr lang="en-GB"/>
+          </a:p>
+        </p:txBody>
+      </p:sp>
+    </p:spTree>
+    <p:extLst>
+      <p:ext uri="{BB962C8B-B14F-4D97-AF65-F5344CB8AC3E}">
+        <p14:creationId xmlns:p14="http://schemas.microsoft.com/office/powerpoint/2010/main" val="4027898035"/>
+      </p:ext>
+    </p:extLst>
+  </p:cSld>
+  <p:clrMapOvr>
+    <a:masterClrMapping/>
+  </p:clrMapOvr>
+</p:sld>
+</file>
+
+<file path=ppt/slides/slide3.xml><?xml version="1.0" encoding="utf-8"?>
 <p:sld xmlns:a="http://schemas.openxmlformats.org/drawingml/2006/main" xmlns:r="http://schemas.openxmlformats.org/officeDocument/2006/relationships" xmlns:p="http://schemas.openxmlformats.org/presentationml/2006/main">
   <p:cSld>
     <p:spTree>
